--- a/PPT.pptx
+++ b/PPT.pptx
@@ -3373,6 +3373,13 @@
   <p:clrMapOvr>
     <a:masterClrMapping/>
   </p:clrMapOvr>
+  <p:timing>
+    <p:tnLst>
+      <p:par>
+        <p:cTn id="1" dur="indefinite" restart="never" nodeType="tmRoot"/>
+      </p:par>
+    </p:tnLst>
+  </p:timing>
 </p:sld>
 </file>
 
@@ -3906,6 +3913,255 @@
           </a:prstGeom>
         </p:spPr>
       </p:pic>
+      <p:sp>
+        <p:nvSpPr>
+          <p:cNvPr id="47" name="Rectangle 46"/>
+          <p:cNvSpPr/>
+          <p:nvPr/>
+        </p:nvSpPr>
+        <p:spPr>
+          <a:xfrm>
+            <a:off x="880109" y="1729654"/>
+            <a:ext cx="2155371" cy="927463"/>
+          </a:xfrm>
+          <a:prstGeom prst="rect">
+            <a:avLst/>
+          </a:prstGeom>
+          <a:solidFill>
+            <a:schemeClr val="bg2">
+              <a:lumMod val="90000"/>
+            </a:schemeClr>
+          </a:solidFill>
+        </p:spPr>
+        <p:style>
+          <a:lnRef idx="2">
+            <a:schemeClr val="dk1"/>
+          </a:lnRef>
+          <a:fillRef idx="1">
+            <a:schemeClr val="lt1"/>
+          </a:fillRef>
+          <a:effectRef idx="0">
+            <a:schemeClr val="dk1"/>
+          </a:effectRef>
+          <a:fontRef idx="minor">
+            <a:schemeClr val="dk1"/>
+          </a:fontRef>
+        </p:style>
+        <p:txBody>
+          <a:bodyPr rtlCol="0" anchor="ctr"/>
+          <a:lstStyle/>
+          <a:p>
+            <a:pPr algn="ctr"/>
+            <a:r>
+              <a:rPr lang="en-IN" dirty="0" err="1" smtClean="0"/>
+              <a:t>Search_tool</a:t>
+            </a:r>
+            <a:endParaRPr lang="en-IN" dirty="0"/>
+          </a:p>
+        </p:txBody>
+      </p:sp>
+      <p:sp>
+        <p:nvSpPr>
+          <p:cNvPr id="49" name="Rectangle 48"/>
+          <p:cNvSpPr/>
+          <p:nvPr/>
+        </p:nvSpPr>
+        <p:spPr>
+          <a:xfrm>
+            <a:off x="880109" y="3444226"/>
+            <a:ext cx="2155371" cy="927463"/>
+          </a:xfrm>
+          <a:prstGeom prst="rect">
+            <a:avLst/>
+          </a:prstGeom>
+          <a:solidFill>
+            <a:schemeClr val="bg1">
+              <a:lumMod val="75000"/>
+            </a:schemeClr>
+          </a:solidFill>
+        </p:spPr>
+        <p:style>
+          <a:lnRef idx="2">
+            <a:schemeClr val="dk1"/>
+          </a:lnRef>
+          <a:fillRef idx="1">
+            <a:schemeClr val="lt1"/>
+          </a:fillRef>
+          <a:effectRef idx="0">
+            <a:schemeClr val="dk1"/>
+          </a:effectRef>
+          <a:fontRef idx="minor">
+            <a:schemeClr val="dk1"/>
+          </a:fontRef>
+        </p:style>
+        <p:txBody>
+          <a:bodyPr rtlCol="0" anchor="ctr"/>
+          <a:lstStyle/>
+          <a:p>
+            <a:pPr algn="ctr"/>
+            <a:r>
+              <a:rPr lang="en-IN" dirty="0" err="1" smtClean="0"/>
+              <a:t>Crawl_urls_tool</a:t>
+            </a:r>
+            <a:endParaRPr lang="en-IN" dirty="0"/>
+          </a:p>
+        </p:txBody>
+      </p:sp>
+      <p:sp>
+        <p:nvSpPr>
+          <p:cNvPr id="50" name="Rectangle 49"/>
+          <p:cNvSpPr/>
+          <p:nvPr/>
+        </p:nvSpPr>
+        <p:spPr>
+          <a:xfrm>
+            <a:off x="528895" y="5118142"/>
+            <a:ext cx="2857798" cy="927463"/>
+          </a:xfrm>
+          <a:prstGeom prst="rect">
+            <a:avLst/>
+          </a:prstGeom>
+          <a:solidFill>
+            <a:schemeClr val="bg2">
+              <a:lumMod val="90000"/>
+            </a:schemeClr>
+          </a:solidFill>
+        </p:spPr>
+        <p:style>
+          <a:lnRef idx="2">
+            <a:schemeClr val="dk1"/>
+          </a:lnRef>
+          <a:fillRef idx="1">
+            <a:schemeClr val="lt1"/>
+          </a:fillRef>
+          <a:effectRef idx="0">
+            <a:schemeClr val="dk1"/>
+          </a:effectRef>
+          <a:fontRef idx="minor">
+            <a:schemeClr val="dk1"/>
+          </a:fontRef>
+        </p:style>
+        <p:txBody>
+          <a:bodyPr rtlCol="0" anchor="ctr"/>
+          <a:lstStyle/>
+          <a:p>
+            <a:pPr algn="ctr"/>
+            <a:r>
+              <a:rPr lang="en-IN" dirty="0" err="1" smtClean="0"/>
+              <a:t>Summarize_markdown_tool</a:t>
+            </a:r>
+            <a:endParaRPr lang="en-IN" dirty="0"/>
+          </a:p>
+        </p:txBody>
+      </p:sp>
+      <p:cxnSp>
+        <p:nvCxnSpPr>
+          <p:cNvPr id="52" name="Straight Arrow Connector 51"/>
+          <p:cNvCxnSpPr>
+            <a:stCxn id="47" idx="3"/>
+            <a:endCxn id="4" idx="2"/>
+          </p:cNvCxnSpPr>
+          <p:nvPr/>
+        </p:nvCxnSpPr>
+        <p:spPr>
+          <a:xfrm>
+            <a:off x="3035480" y="2193386"/>
+            <a:ext cx="1167493" cy="37011"/>
+          </a:xfrm>
+          <a:prstGeom prst="straightConnector1">
+            <a:avLst/>
+          </a:prstGeom>
+          <a:ln>
+            <a:tailEnd type="triangle"/>
+          </a:ln>
+        </p:spPr>
+        <p:style>
+          <a:lnRef idx="1">
+            <a:schemeClr val="dk1"/>
+          </a:lnRef>
+          <a:fillRef idx="0">
+            <a:schemeClr val="dk1"/>
+          </a:fillRef>
+          <a:effectRef idx="0">
+            <a:schemeClr val="dk1"/>
+          </a:effectRef>
+          <a:fontRef idx="minor">
+            <a:schemeClr val="tx1"/>
+          </a:fontRef>
+        </p:style>
+      </p:cxnSp>
+      <p:cxnSp>
+        <p:nvCxnSpPr>
+          <p:cNvPr id="54" name="Straight Arrow Connector 53"/>
+          <p:cNvCxnSpPr>
+            <a:stCxn id="49" idx="3"/>
+            <a:endCxn id="5" idx="2"/>
+          </p:cNvCxnSpPr>
+          <p:nvPr/>
+        </p:nvCxnSpPr>
+        <p:spPr>
+          <a:xfrm flipV="1">
+            <a:off x="3035480" y="3863254"/>
+            <a:ext cx="1167492" cy="44704"/>
+          </a:xfrm>
+          <a:prstGeom prst="straightConnector1">
+            <a:avLst/>
+          </a:prstGeom>
+          <a:ln>
+            <a:tailEnd type="triangle"/>
+          </a:ln>
+        </p:spPr>
+        <p:style>
+          <a:lnRef idx="1">
+            <a:schemeClr val="dk1"/>
+          </a:lnRef>
+          <a:fillRef idx="0">
+            <a:schemeClr val="dk1"/>
+          </a:fillRef>
+          <a:effectRef idx="0">
+            <a:schemeClr val="dk1"/>
+          </a:effectRef>
+          <a:fontRef idx="minor">
+            <a:schemeClr val="tx1"/>
+          </a:fontRef>
+        </p:style>
+      </p:cxnSp>
+      <p:cxnSp>
+        <p:nvCxnSpPr>
+          <p:cNvPr id="56" name="Straight Arrow Connector 55"/>
+          <p:cNvCxnSpPr>
+            <a:stCxn id="50" idx="3"/>
+            <a:endCxn id="6" idx="2"/>
+          </p:cNvCxnSpPr>
+          <p:nvPr/>
+        </p:nvCxnSpPr>
+        <p:spPr>
+          <a:xfrm>
+            <a:off x="3386693" y="5581874"/>
+            <a:ext cx="816279" cy="5994"/>
+          </a:xfrm>
+          <a:prstGeom prst="straightConnector1">
+            <a:avLst/>
+          </a:prstGeom>
+          <a:ln>
+            <a:tailEnd type="triangle"/>
+          </a:ln>
+        </p:spPr>
+        <p:style>
+          <a:lnRef idx="1">
+            <a:schemeClr val="dk1"/>
+          </a:lnRef>
+          <a:fillRef idx="0">
+            <a:schemeClr val="dk1"/>
+          </a:fillRef>
+          <a:effectRef idx="0">
+            <a:schemeClr val="dk1"/>
+          </a:effectRef>
+          <a:fontRef idx="minor">
+            <a:schemeClr val="tx1"/>
+          </a:fontRef>
+        </p:style>
+      </p:cxnSp>
     </p:spTree>
     <p:extLst>
       <p:ext uri="{BB962C8B-B14F-4D97-AF65-F5344CB8AC3E}">
@@ -3916,6 +4172,13 @@
   <p:clrMapOvr>
     <a:masterClrMapping/>
   </p:clrMapOvr>
+  <p:timing>
+    <p:tnLst>
+      <p:par>
+        <p:cTn id="1" dur="indefinite" restart="never" nodeType="tmRoot"/>
+      </p:par>
+    </p:tnLst>
+  </p:timing>
 </p:sld>
 </file>
 
